--- a/PPT/Angular14-Routing.pptx
+++ b/PPT/Angular14-Routing.pptx
@@ -5,10 +5,10 @@
     <p:sldMasterId id="2147483653" r:id="rId1"/>
   </p:sldMasterIdLst>
   <p:notesMasterIdLst>
-    <p:notesMasterId r:id="rId20"/>
+    <p:notesMasterId r:id="rId19"/>
   </p:notesMasterIdLst>
   <p:handoutMasterIdLst>
-    <p:handoutMasterId r:id="rId21"/>
+    <p:handoutMasterId r:id="rId20"/>
   </p:handoutMasterIdLst>
   <p:sldIdLst>
     <p:sldId id="264" r:id="rId2"/>
@@ -27,8 +27,7 @@
     <p:sldId id="285" r:id="rId15"/>
     <p:sldId id="286" r:id="rId16"/>
     <p:sldId id="287" r:id="rId17"/>
-    <p:sldId id="271" r:id="rId18"/>
-    <p:sldId id="272" r:id="rId19"/>
+    <p:sldId id="272" r:id="rId18"/>
   </p:sldIdLst>
   <p:sldSz cx="9144000" cy="6858000" type="screen4x3"/>
   <p:notesSz cx="6648450" cy="9782175"/>
@@ -3706,13 +3705,8 @@
             <a:pPr eaLnBrk="1" hangingPunct="1"/>
             <a:r>
               <a:rPr lang="fr-FR" altLang="fr-FR" dirty="0" smtClean="0"/>
-              <a:t>Chapitre </a:t>
-            </a:r>
-            <a:r>
-              <a:rPr lang="fr-FR" altLang="fr-FR" dirty="0" smtClean="0"/>
-              <a:t>14</a:t>
-            </a:r>
-            <a:endParaRPr lang="fr-FR" altLang="fr-FR" dirty="0" smtClean="0"/>
+              <a:t>Chapitre 14</a:t>
+            </a:r>
           </a:p>
           <a:p>
             <a:pPr eaLnBrk="1" hangingPunct="1"/>
@@ -4083,7 +4077,11 @@
             <a:pPr lvl="1"/>
             <a:r>
               <a:rPr lang="en-US" dirty="0"/>
-              <a:t>{ path: '', </a:t>
+              <a:t>{ path: </a:t>
+            </a:r>
+            <a:r>
+              <a:rPr lang="en-US" dirty="0" smtClean="0"/>
+              <a:t>'"", </a:t>
             </a:r>
             <a:r>
               <a:rPr lang="en-US" dirty="0" err="1"/>
@@ -4139,6 +4137,13 @@
   <p:clrMapOvr>
     <a:masterClrMapping/>
   </p:clrMapOvr>
+  <p:timing>
+    <p:tnLst>
+      <p:par>
+        <p:cTn id="1" dur="indefinite" restart="never" nodeType="tmRoot"/>
+      </p:par>
+    </p:tnLst>
+  </p:timing>
 </p:sld>
 </file>
 
@@ -4259,6 +4264,13 @@
   <p:clrMapOvr>
     <a:masterClrMapping/>
   </p:clrMapOvr>
+  <p:timing>
+    <p:tnLst>
+      <p:par>
+        <p:cTn id="1" dur="indefinite" restart="never" nodeType="tmRoot"/>
+      </p:par>
+    </p:tnLst>
+  </p:timing>
 </p:sld>
 </file>
 
@@ -4423,6 +4435,13 @@
   <p:clrMapOvr>
     <a:masterClrMapping/>
   </p:clrMapOvr>
+  <p:timing>
+    <p:tnLst>
+      <p:par>
+        <p:cTn id="1" dur="indefinite" restart="never" nodeType="tmRoot"/>
+      </p:par>
+    </p:tnLst>
+  </p:timing>
 </p:sld>
 </file>
 
@@ -4609,6 +4628,13 @@
   <p:clrMapOvr>
     <a:masterClrMapping/>
   </p:clrMapOvr>
+  <p:timing>
+    <p:tnLst>
+      <p:par>
+        <p:cTn id="1" dur="indefinite" restart="never" nodeType="tmRoot"/>
+      </p:par>
+    </p:tnLst>
+  </p:timing>
 </p:sld>
 </file>
 
@@ -4705,6 +4731,13 @@
   <p:clrMapOvr>
     <a:masterClrMapping/>
   </p:clrMapOvr>
+  <p:timing>
+    <p:tnLst>
+      <p:par>
+        <p:cTn id="1" dur="indefinite" restart="never" nodeType="tmRoot"/>
+      </p:par>
+    </p:tnLst>
+  </p:timing>
 </p:sld>
 </file>
 
@@ -4800,7 +4833,6 @@
               <a:rPr lang="fr-FR" dirty="0"/>
               <a:t>/11</a:t>
             </a:r>
-            <a:endParaRPr lang="fr-FR" dirty="0"/>
           </a:p>
         </p:txBody>
       </p:sp>
@@ -4838,6 +4870,13 @@
   <p:clrMapOvr>
     <a:masterClrMapping/>
   </p:clrMapOvr>
+  <p:timing>
+    <p:tnLst>
+      <p:par>
+        <p:cTn id="1" dur="indefinite" restart="never" nodeType="tmRoot"/>
+      </p:par>
+    </p:tnLst>
+  </p:timing>
 </p:sld>
 </file>
 
@@ -4997,6 +5036,13 @@
   <p:clrMapOvr>
     <a:masterClrMapping/>
   </p:clrMapOvr>
+  <p:timing>
+    <p:tnLst>
+      <p:par>
+        <p:cTn id="1" dur="indefinite" restart="never" nodeType="tmRoot"/>
+      </p:par>
+    </p:tnLst>
+  </p:timing>
 </p:sld>
 </file>
 
@@ -5034,7 +5080,7 @@
           <a:p>
             <a:r>
               <a:rPr lang="fr-FR" dirty="0" smtClean="0"/>
-              <a:t>Template de page</a:t>
+              <a:t>URL Rewriting</a:t>
             </a:r>
             <a:endParaRPr lang="fr-FR" dirty="0"/>
           </a:p>
@@ -5057,167 +5103,156 @@
           <a:p>
             <a:r>
               <a:rPr lang="fr-FR" dirty="0" smtClean="0"/>
-              <a:t>Permet de définir le </a:t>
-            </a:r>
-            <a:r>
-              <a:rPr lang="fr-FR" dirty="0" err="1" smtClean="0"/>
-              <a:t>template</a:t>
-            </a:r>
+              <a:t>$location permet de réécrire l’URL</a:t>
+            </a:r>
+          </a:p>
+          <a:p>
             <a:r>
               <a:rPr lang="fr-FR" dirty="0" smtClean="0"/>
-              <a:t> de toutes les pages</a:t>
-            </a:r>
-          </a:p>
-          <a:p>
-            <a:r>
-              <a:rPr lang="fr-FR" dirty="0" smtClean="0"/>
-              <a:t>Principe de Master Page</a:t>
-            </a:r>
-          </a:p>
-          <a:p>
-            <a:r>
-              <a:rPr lang="fr-FR" dirty="0" smtClean="0"/>
-              <a:t>Doit inclure tous les scripts</a:t>
-            </a:r>
-          </a:p>
-          <a:p>
-            <a:r>
-              <a:rPr lang="fr-FR" dirty="0" smtClean="0"/>
-              <a:t>Les pages filles sont retrouvées par routage</a:t>
-            </a:r>
-          </a:p>
-          <a:p>
-            <a:pPr lvl="1"/>
-            <a:r>
-              <a:rPr lang="fr-FR" dirty="0" smtClean="0"/>
-              <a:t>Elles n'ont pas de script</a:t>
-            </a:r>
-          </a:p>
-          <a:p>
-            <a:r>
-              <a:rPr lang="fr-FR" smtClean="0"/>
-              <a:t>Il </a:t>
-            </a:r>
-            <a:r>
-              <a:rPr lang="fr-FR" dirty="0" smtClean="0"/>
-              <a:t>existe d'autre écriture</a:t>
+              <a:t>En mode HTML 5 uniquement</a:t>
+            </a:r>
+            <a:endParaRPr lang="en-US" dirty="0" smtClean="0"/>
+          </a:p>
+          <a:p>
+            <a:pPr marL="457200" lvl="1" indent="0">
+              <a:buNone/>
+            </a:pPr>
+            <a:r>
+              <a:rPr lang="fr-FR" sz="1800" dirty="0" err="1"/>
+              <a:t>function</a:t>
+            </a:r>
+            <a:r>
+              <a:rPr lang="fr-FR" sz="1800" dirty="0"/>
+              <a:t>($</a:t>
+            </a:r>
+            <a:r>
+              <a:rPr lang="fr-FR" sz="1800" dirty="0" err="1"/>
+              <a:t>locationProvider</a:t>
+            </a:r>
+            <a:r>
+              <a:rPr lang="fr-FR" sz="1800" dirty="0"/>
+              <a:t>) {</a:t>
+            </a:r>
+          </a:p>
+          <a:p>
+            <a:pPr marL="457200" lvl="1" indent="0">
+              <a:buNone/>
+            </a:pPr>
+            <a:r>
+              <a:rPr lang="fr-FR" sz="1800" dirty="0"/>
+              <a:t>    $locationProvider.html5Mode(</a:t>
+            </a:r>
+            <a:r>
+              <a:rPr lang="fr-FR" sz="1800" dirty="0" err="1"/>
+              <a:t>true</a:t>
+            </a:r>
+            <a:r>
+              <a:rPr lang="fr-FR" sz="1800" dirty="0"/>
+              <a:t>);</a:t>
+            </a:r>
+          </a:p>
+          <a:p>
+            <a:pPr marL="457200" lvl="1" indent="0">
+              <a:buNone/>
+            </a:pPr>
+            <a:r>
+              <a:rPr lang="fr-FR" sz="1800" dirty="0" smtClean="0"/>
+              <a:t>},</a:t>
+            </a:r>
+            <a:endParaRPr lang="fr-FR" sz="1800" dirty="0"/>
+          </a:p>
+          <a:p>
+            <a:pPr marL="457200" lvl="1" indent="0">
+              <a:buNone/>
+            </a:pPr>
+            <a:r>
+              <a:rPr lang="fr-FR" sz="1800" dirty="0"/>
+              <a:t>  </a:t>
+            </a:r>
+            <a:r>
+              <a:rPr lang="fr-FR" sz="1800" dirty="0" err="1"/>
+              <a:t>function</a:t>
+            </a:r>
+            <a:r>
+              <a:rPr lang="fr-FR" sz="1800" dirty="0"/>
+              <a:t>($location) </a:t>
+            </a:r>
+            <a:r>
+              <a:rPr lang="fr-FR" sz="1800" dirty="0" smtClean="0"/>
+              <a:t>{</a:t>
+            </a:r>
+            <a:endParaRPr lang="fr-FR" sz="1800" dirty="0"/>
+          </a:p>
+          <a:p>
+            <a:pPr marL="457200" lvl="1" indent="0">
+              <a:buNone/>
+            </a:pPr>
+            <a:r>
+              <a:rPr lang="fr-FR" sz="1800" dirty="0"/>
+              <a:t>    $</a:t>
+            </a:r>
+            <a:r>
+              <a:rPr lang="fr-FR" sz="1800" dirty="0" err="1"/>
+              <a:t>location.path</a:t>
+            </a:r>
+            <a:r>
+              <a:rPr lang="fr-FR" sz="1800" dirty="0"/>
+              <a:t>('/</a:t>
+            </a:r>
+            <a:r>
+              <a:rPr lang="fr-FR" sz="1800" dirty="0" err="1"/>
+              <a:t>foo</a:t>
+            </a:r>
+            <a:r>
+              <a:rPr lang="fr-FR" sz="1800" dirty="0"/>
+              <a:t>');</a:t>
+            </a:r>
+          </a:p>
+          <a:p>
+            <a:pPr marL="457200" lvl="1" indent="0">
+              <a:buNone/>
+            </a:pPr>
+            <a:r>
+              <a:rPr lang="fr-FR" sz="1800" dirty="0"/>
+              <a:t>    $</a:t>
+            </a:r>
+            <a:r>
+              <a:rPr lang="fr-FR" sz="1800" dirty="0" err="1"/>
+              <a:t>location.absUrl</a:t>
+            </a:r>
+            <a:r>
+              <a:rPr lang="fr-FR" sz="1800" dirty="0"/>
+              <a:t>() === 'http://</a:t>
+            </a:r>
+            <a:r>
+              <a:rPr lang="fr-FR" sz="1800" dirty="0" smtClean="0"/>
+              <a:t>example.com/</a:t>
+            </a:r>
+            <a:r>
+              <a:rPr lang="fr-FR" sz="1800" dirty="0" err="1" smtClean="0"/>
+              <a:t>foo</a:t>
+            </a:r>
+            <a:r>
+              <a:rPr lang="fr-FR" sz="1800" dirty="0" smtClean="0"/>
+              <a:t>‘</a:t>
+            </a:r>
+          </a:p>
+          <a:p>
+            <a:pPr marL="457200" lvl="1" indent="0">
+              <a:buNone/>
+            </a:pPr>
+            <a:r>
+              <a:rPr lang="fr-FR" sz="1800"/>
+              <a:t>}</a:t>
             </a:r>
             <a:endParaRPr lang="fr-FR" dirty="0"/>
           </a:p>
         </p:txBody>
       </p:sp>
-      <p:pic>
-        <p:nvPicPr>
-          <p:cNvPr id="1026" name="Picture 2"/>
-          <p:cNvPicPr>
-            <a:picLocks noChangeAspect="1" noChangeArrowheads="1"/>
-          </p:cNvPicPr>
-          <p:nvPr/>
-        </p:nvPicPr>
-        <p:blipFill>
-          <a:blip r:embed="rId2">
-            <a:extLst>
-              <a:ext uri="{28A0092B-C50C-407E-A947-70E740481C1C}">
-                <a14:useLocalDpi xmlns:a14="http://schemas.microsoft.com/office/drawing/2010/main" val="0"/>
-              </a:ext>
-            </a:extLst>
-          </a:blip>
-          <a:srcRect/>
-          <a:stretch>
-            <a:fillRect/>
-          </a:stretch>
-        </p:blipFill>
-        <p:spPr bwMode="auto">
-          <a:xfrm>
-            <a:off x="4572000" y="3721741"/>
-            <a:ext cx="4755150" cy="787379"/>
-          </a:xfrm>
-          <a:prstGeom prst="rect">
-            <a:avLst/>
-          </a:prstGeom>
-          <a:noFill/>
-          <a:ln>
-            <a:noFill/>
-          </a:ln>
-          <a:extLst>
-            <a:ext uri="{909E8E84-426E-40DD-AFC4-6F175D3DCCD1}">
-              <a14:hiddenFill xmlns:a14="http://schemas.microsoft.com/office/drawing/2010/main">
-                <a:solidFill>
-                  <a:schemeClr val="accent1"/>
-                </a:solidFill>
-              </a14:hiddenFill>
-            </a:ext>
-            <a:ext uri="{91240B29-F687-4F45-9708-019B960494DF}">
-              <a14:hiddenLine xmlns:a14="http://schemas.microsoft.com/office/drawing/2010/main" w="9525">
-                <a:solidFill>
-                  <a:schemeClr val="tx1"/>
-                </a:solidFill>
-                <a:miter lim="800000"/>
-                <a:headEnd/>
-                <a:tailEnd/>
-              </a14:hiddenLine>
-            </a:ext>
-          </a:extLst>
-        </p:spPr>
-      </p:pic>
-      <p:pic>
-        <p:nvPicPr>
-          <p:cNvPr id="4" name="Picture 2"/>
-          <p:cNvPicPr>
-            <a:picLocks noChangeAspect="1" noChangeArrowheads="1"/>
-          </p:cNvPicPr>
-          <p:nvPr/>
-        </p:nvPicPr>
-        <p:blipFill>
-          <a:blip r:embed="rId3">
-            <a:extLst>
-              <a:ext uri="{28A0092B-C50C-407E-A947-70E740481C1C}">
-                <a14:useLocalDpi xmlns:a14="http://schemas.microsoft.com/office/drawing/2010/main" val="0"/>
-              </a:ext>
-            </a:extLst>
-          </a:blip>
-          <a:srcRect/>
-          <a:stretch>
-            <a:fillRect/>
-          </a:stretch>
-        </p:blipFill>
-        <p:spPr bwMode="auto">
-          <a:xfrm>
-            <a:off x="5076056" y="4941168"/>
-            <a:ext cx="2992723" cy="1152128"/>
-          </a:xfrm>
-          <a:prstGeom prst="rect">
-            <a:avLst/>
-          </a:prstGeom>
-          <a:noFill/>
-          <a:ln>
-            <a:noFill/>
-          </a:ln>
-          <a:extLst>
-            <a:ext uri="{909E8E84-426E-40DD-AFC4-6F175D3DCCD1}">
-              <a14:hiddenFill xmlns:a14="http://schemas.microsoft.com/office/drawing/2010/main">
-                <a:solidFill>
-                  <a:schemeClr val="accent1"/>
-                </a:solidFill>
-              </a14:hiddenFill>
-            </a:ext>
-            <a:ext uri="{91240B29-F687-4F45-9708-019B960494DF}">
-              <a14:hiddenLine xmlns:a14="http://schemas.microsoft.com/office/drawing/2010/main" w="9525">
-                <a:solidFill>
-                  <a:schemeClr val="tx1"/>
-                </a:solidFill>
-                <a:miter lim="800000"/>
-                <a:headEnd/>
-                <a:tailEnd/>
-              </a14:hiddenLine>
-            </a:ext>
-          </a:extLst>
-        </p:spPr>
-      </p:pic>
     </p:spTree>
     <p:extLst>
       <p:ext uri="{BB962C8B-B14F-4D97-AF65-F5344CB8AC3E}">
-        <p14:creationId xmlns:p14="http://schemas.microsoft.com/office/powerpoint/2010/main" val="2186391264"/>
+        <p14:creationId xmlns:p14="http://schemas.microsoft.com/office/powerpoint/2010/main" val="608097949"/>
       </p:ext>
     </p:extLst>
   </p:cSld>
@@ -5231,222 +5266,6 @@
       </p:par>
     </p:tnLst>
   </p:timing>
-</p:sld>
-</file>
-
-<file path=ppt/slides/slide18.xml><?xml version="1.0" encoding="utf-8"?>
-<p:sld xmlns:a="http://schemas.openxmlformats.org/drawingml/2006/main" xmlns:r="http://schemas.openxmlformats.org/officeDocument/2006/relationships" xmlns:p="http://schemas.openxmlformats.org/presentationml/2006/main">
-  <p:cSld>
-    <p:spTree>
-      <p:nvGrpSpPr>
-        <p:cNvPr id="1" name=""/>
-        <p:cNvGrpSpPr/>
-        <p:nvPr/>
-      </p:nvGrpSpPr>
-      <p:grpSpPr>
-        <a:xfrm>
-          <a:off x="0" y="0"/>
-          <a:ext cx="0" cy="0"/>
-          <a:chOff x="0" y="0"/>
-          <a:chExt cx="0" cy="0"/>
-        </a:xfrm>
-      </p:grpSpPr>
-      <p:sp>
-        <p:nvSpPr>
-          <p:cNvPr id="2" name="Titre 1"/>
-          <p:cNvSpPr>
-            <a:spLocks noGrp="1"/>
-          </p:cNvSpPr>
-          <p:nvPr>
-            <p:ph type="title"/>
-          </p:nvPr>
-        </p:nvSpPr>
-        <p:spPr/>
-        <p:txBody>
-          <a:bodyPr/>
-          <a:lstStyle/>
-          <a:p>
-            <a:r>
-              <a:rPr lang="fr-FR" dirty="0" smtClean="0"/>
-              <a:t>URL Rewriting</a:t>
-            </a:r>
-            <a:endParaRPr lang="fr-FR" dirty="0"/>
-          </a:p>
-        </p:txBody>
-      </p:sp>
-      <p:sp>
-        <p:nvSpPr>
-          <p:cNvPr id="3" name="Espace réservé du contenu 2"/>
-          <p:cNvSpPr>
-            <a:spLocks noGrp="1"/>
-          </p:cNvSpPr>
-          <p:nvPr>
-            <p:ph idx="1"/>
-          </p:nvPr>
-        </p:nvSpPr>
-        <p:spPr/>
-        <p:txBody>
-          <a:bodyPr/>
-          <a:lstStyle/>
-          <a:p>
-            <a:r>
-              <a:rPr lang="fr-FR" dirty="0" smtClean="0"/>
-              <a:t>$location permet de réécrire l’URL</a:t>
-            </a:r>
-          </a:p>
-          <a:p>
-            <a:r>
-              <a:rPr lang="fr-FR" dirty="0" smtClean="0"/>
-              <a:t>En mode HTML 5 uniquement</a:t>
-            </a:r>
-            <a:endParaRPr lang="en-US" dirty="0" smtClean="0"/>
-          </a:p>
-          <a:p>
-            <a:pPr marL="457200" lvl="1" indent="0">
-              <a:buNone/>
-            </a:pPr>
-            <a:r>
-              <a:rPr lang="fr-FR" sz="1800" dirty="0" err="1"/>
-              <a:t>function</a:t>
-            </a:r>
-            <a:r>
-              <a:rPr lang="fr-FR" sz="1800" dirty="0"/>
-              <a:t>($</a:t>
-            </a:r>
-            <a:r>
-              <a:rPr lang="fr-FR" sz="1800" dirty="0" err="1"/>
-              <a:t>locationProvider</a:t>
-            </a:r>
-            <a:r>
-              <a:rPr lang="fr-FR" sz="1800" dirty="0"/>
-              <a:t>) {</a:t>
-            </a:r>
-          </a:p>
-          <a:p>
-            <a:pPr marL="457200" lvl="1" indent="0">
-              <a:buNone/>
-            </a:pPr>
-            <a:r>
-              <a:rPr lang="fr-FR" sz="1800" dirty="0"/>
-              <a:t>    $locationProvider.html5Mode(</a:t>
-            </a:r>
-            <a:r>
-              <a:rPr lang="fr-FR" sz="1800" dirty="0" err="1"/>
-              <a:t>true</a:t>
-            </a:r>
-            <a:r>
-              <a:rPr lang="fr-FR" sz="1800" dirty="0"/>
-              <a:t>);</a:t>
-            </a:r>
-          </a:p>
-          <a:p>
-            <a:pPr marL="457200" lvl="1" indent="0">
-              <a:buNone/>
-            </a:pPr>
-            <a:r>
-              <a:rPr lang="fr-FR" sz="1800" dirty="0" smtClean="0"/>
-              <a:t>},</a:t>
-            </a:r>
-            <a:endParaRPr lang="fr-FR" sz="1800" dirty="0"/>
-          </a:p>
-          <a:p>
-            <a:pPr marL="457200" lvl="1" indent="0">
-              <a:buNone/>
-            </a:pPr>
-            <a:r>
-              <a:rPr lang="fr-FR" sz="1800" dirty="0"/>
-              <a:t>  </a:t>
-            </a:r>
-            <a:r>
-              <a:rPr lang="fr-FR" sz="1800" dirty="0" err="1"/>
-              <a:t>function</a:t>
-            </a:r>
-            <a:r>
-              <a:rPr lang="fr-FR" sz="1800" dirty="0"/>
-              <a:t>($location) </a:t>
-            </a:r>
-            <a:r>
-              <a:rPr lang="fr-FR" sz="1800" dirty="0" smtClean="0"/>
-              <a:t>{</a:t>
-            </a:r>
-            <a:endParaRPr lang="fr-FR" sz="1800" dirty="0"/>
-          </a:p>
-          <a:p>
-            <a:pPr marL="457200" lvl="1" indent="0">
-              <a:buNone/>
-            </a:pPr>
-            <a:r>
-              <a:rPr lang="fr-FR" sz="1800" dirty="0"/>
-              <a:t>    $</a:t>
-            </a:r>
-            <a:r>
-              <a:rPr lang="fr-FR" sz="1800" dirty="0" err="1"/>
-              <a:t>location.path</a:t>
-            </a:r>
-            <a:r>
-              <a:rPr lang="fr-FR" sz="1800" dirty="0"/>
-              <a:t>('/</a:t>
-            </a:r>
-            <a:r>
-              <a:rPr lang="fr-FR" sz="1800" dirty="0" err="1"/>
-              <a:t>foo</a:t>
-            </a:r>
-            <a:r>
-              <a:rPr lang="fr-FR" sz="1800" dirty="0"/>
-              <a:t>');</a:t>
-            </a:r>
-          </a:p>
-          <a:p>
-            <a:pPr marL="457200" lvl="1" indent="0">
-              <a:buNone/>
-            </a:pPr>
-            <a:r>
-              <a:rPr lang="fr-FR" sz="1800" dirty="0"/>
-              <a:t>    $</a:t>
-            </a:r>
-            <a:r>
-              <a:rPr lang="fr-FR" sz="1800" dirty="0" err="1"/>
-              <a:t>location.absUrl</a:t>
-            </a:r>
-            <a:r>
-              <a:rPr lang="fr-FR" sz="1800" dirty="0"/>
-              <a:t>() === 'http://</a:t>
-            </a:r>
-            <a:r>
-              <a:rPr lang="fr-FR" sz="1800" dirty="0" smtClean="0"/>
-              <a:t>example.com/</a:t>
-            </a:r>
-            <a:r>
-              <a:rPr lang="fr-FR" sz="1800" dirty="0" err="1" smtClean="0"/>
-              <a:t>foo</a:t>
-            </a:r>
-            <a:r>
-              <a:rPr lang="fr-FR" sz="1800" dirty="0" smtClean="0"/>
-              <a:t>‘</a:t>
-            </a:r>
-          </a:p>
-          <a:p>
-            <a:pPr marL="457200" lvl="1" indent="0">
-              <a:buNone/>
-            </a:pPr>
-            <a:r>
-              <a:rPr lang="fr-FR" sz="1800"/>
-              <a:t>}</a:t>
-            </a:r>
-            <a:endParaRPr lang="fr-FR" dirty="0"/>
-          </a:p>
-        </p:txBody>
-      </p:sp>
-    </p:spTree>
-    <p:extLst>
-      <p:ext uri="{BB962C8B-B14F-4D97-AF65-F5344CB8AC3E}">
-        <p14:creationId xmlns:p14="http://schemas.microsoft.com/office/powerpoint/2010/main" val="608097949"/>
-      </p:ext>
-    </p:extLst>
-  </p:cSld>
-  <p:clrMapOvr>
-    <a:masterClrMapping/>
-  </p:clrMapOvr>
 </p:sld>
 </file>
 
@@ -5513,11 +5332,7 @@
           <a:p>
             <a:r>
               <a:rPr lang="fr-FR" dirty="0" smtClean="0"/>
-              <a:t>Le routage permet de définir des nouveaux routages </a:t>
-            </a:r>
-            <a:r>
-              <a:rPr lang="fr-FR" dirty="0" smtClean="0"/>
-              <a:t>d'URL</a:t>
+              <a:t>Le routage permet de définir des nouveaux routages d'URL</a:t>
             </a:r>
           </a:p>
           <a:p>
@@ -5546,7 +5361,6 @@
               <a:rPr lang="fr-FR" dirty="0" smtClean="0"/>
               <a:t>plusieurs vues</a:t>
             </a:r>
-            <a:endParaRPr lang="fr-FR" dirty="0" smtClean="0"/>
           </a:p>
           <a:p>
             <a:endParaRPr lang="fr-FR" dirty="0" smtClean="0"/>
@@ -5686,6 +5500,13 @@
   <p:clrMapOvr>
     <a:masterClrMapping/>
   </p:clrMapOvr>
+  <p:timing>
+    <p:tnLst>
+      <p:par>
+        <p:cTn id="1" dur="indefinite" restart="never" nodeType="tmRoot"/>
+      </p:par>
+    </p:tnLst>
+  </p:timing>
 </p:sld>
 </file>
 
@@ -5939,6 +5760,13 @@
   <p:clrMapOvr>
     <a:masterClrMapping/>
   </p:clrMapOvr>
+  <p:timing>
+    <p:tnLst>
+      <p:par>
+        <p:cTn id="1" dur="indefinite" restart="never" nodeType="tmRoot"/>
+      </p:par>
+    </p:tnLst>
+  </p:timing>
 </p:sld>
 </file>
 
@@ -6054,6 +5882,13 @@
   <p:clrMapOvr>
     <a:masterClrMapping/>
   </p:clrMapOvr>
+  <p:timing>
+    <p:tnLst>
+      <p:par>
+        <p:cTn id="1" dur="indefinite" restart="never" nodeType="tmRoot"/>
+      </p:par>
+    </p:tnLst>
+  </p:timing>
 </p:sld>
 </file>
 
@@ -6168,6 +6003,13 @@
   <p:clrMapOvr>
     <a:masterClrMapping/>
   </p:clrMapOvr>
+  <p:timing>
+    <p:tnLst>
+      <p:par>
+        <p:cTn id="1" dur="indefinite" restart="never" nodeType="tmRoot"/>
+      </p:par>
+    </p:tnLst>
+  </p:timing>
 </p:sld>
 </file>
 
@@ -6316,6 +6158,13 @@
   <p:clrMapOvr>
     <a:masterClrMapping/>
   </p:clrMapOvr>
+  <p:timing>
+    <p:tnLst>
+      <p:par>
+        <p:cTn id="1" dur="indefinite" restart="never" nodeType="tmRoot"/>
+      </p:par>
+    </p:tnLst>
+  </p:timing>
 </p:sld>
 </file>
 
@@ -6448,6 +6297,13 @@
   <p:clrMapOvr>
     <a:masterClrMapping/>
   </p:clrMapOvr>
+  <p:timing>
+    <p:tnLst>
+      <p:par>
+        <p:cTn id="1" dur="indefinite" restart="never" nodeType="tmRoot"/>
+      </p:par>
+    </p:tnLst>
+  </p:timing>
 </p:sld>
 </file>
 
@@ -6576,6 +6432,13 @@
   <p:clrMapOvr>
     <a:masterClrMapping/>
   </p:clrMapOvr>
+  <p:timing>
+    <p:tnLst>
+      <p:par>
+        <p:cTn id="1" dur="indefinite" restart="never" nodeType="tmRoot"/>
+      </p:par>
+    </p:tnLst>
+  </p:timing>
 </p:sld>
 </file>
 
